--- a/PLPTH813Bioinformatis/2023/labs/lab07_qtl_gwas.pptx
+++ b/PLPTH813Bioinformatis/2023/labs/lab07_qtl_gwas.pptx
@@ -5,7 +5,7 @@
     <p:sldMasterId id="2147483648" r:id="rId1"/>
   </p:sldMasterIdLst>
   <p:notesMasterIdLst>
-    <p:notesMasterId r:id="rId24"/>
+    <p:notesMasterId r:id="rId25"/>
   </p:notesMasterIdLst>
   <p:sldIdLst>
     <p:sldId id="301" r:id="rId2"/>
@@ -20,9 +20,9 @@
     <p:sldId id="334" r:id="rId11"/>
     <p:sldId id="322" r:id="rId12"/>
     <p:sldId id="323" r:id="rId13"/>
-    <p:sldId id="333" r:id="rId14"/>
-    <p:sldId id="341" r:id="rId15"/>
-    <p:sldId id="339" r:id="rId16"/>
+    <p:sldId id="342" r:id="rId14"/>
+    <p:sldId id="333" r:id="rId15"/>
+    <p:sldId id="343" r:id="rId16"/>
     <p:sldId id="335" r:id="rId17"/>
     <p:sldId id="327" r:id="rId18"/>
     <p:sldId id="338" r:id="rId19"/>
@@ -30,6 +30,7 @@
     <p:sldId id="337" r:id="rId21"/>
     <p:sldId id="336" r:id="rId22"/>
     <p:sldId id="331" r:id="rId23"/>
+    <p:sldId id="345" r:id="rId24"/>
   </p:sldIdLst>
   <p:sldSz cx="9144000" cy="6858000" type="screen4x3"/>
   <p:notesSz cx="6858000" cy="9144000"/>
@@ -4579,7 +4580,13 @@
       </p:grpSpPr>
       <p:sp>
         <p:nvSpPr>
-          <p:cNvPr id="2" name="Title 1"/>
+          <p:cNvPr id="2" name="Title 1">
+            <a:extLst>
+              <a:ext uri="{FF2B5EF4-FFF2-40B4-BE49-F238E27FC236}">
+                <a16:creationId xmlns:a16="http://schemas.microsoft.com/office/drawing/2014/main" id="{26A72093-F2A9-EBA6-95A6-E5895A5FAE26}"/>
+              </a:ext>
+            </a:extLst>
+          </p:cNvPr>
           <p:cNvSpPr>
             <a:spLocks noGrp="1"/>
           </p:cNvSpPr>
@@ -4587,28 +4594,32 @@
             <p:ph type="title"/>
           </p:nvPr>
         </p:nvSpPr>
-        <p:spPr>
-          <a:xfrm>
-            <a:off x="457200" y="274637"/>
-            <a:ext cx="8229600" cy="1309081"/>
-          </a:xfrm>
-        </p:spPr>
+        <p:spPr/>
         <p:txBody>
-          <a:bodyPr>
-            <a:normAutofit/>
-          </a:bodyPr>
+          <a:bodyPr/>
           <a:lstStyle/>
           <a:p>
             <a:r>
-              <a:rPr lang="en-US" sz="3600" dirty="0"/>
-              <a:t>Goal of today’s lab</a:t>
-            </a:r>
+              <a:rPr lang="en-US" dirty="0"/>
+              <a:t>Updated r/</a:t>
+            </a:r>
+            <a:r>
+              <a:rPr lang="en-US" dirty="0" err="1"/>
+              <a:t>qrt</a:t>
+            </a:r>
+            <a:endParaRPr lang="en-US" dirty="0"/>
           </a:p>
         </p:txBody>
       </p:sp>
       <p:sp>
         <p:nvSpPr>
-          <p:cNvPr id="3" name="Content Placeholder 2"/>
+          <p:cNvPr id="3" name="Content Placeholder 2">
+            <a:extLst>
+              <a:ext uri="{FF2B5EF4-FFF2-40B4-BE49-F238E27FC236}">
+                <a16:creationId xmlns:a16="http://schemas.microsoft.com/office/drawing/2014/main" id="{54B7ED12-3CBE-9D72-CDF5-3CFFC6F48EDC}"/>
+              </a:ext>
+            </a:extLst>
+          </p:cNvPr>
           <p:cNvSpPr>
             <a:spLocks noGrp="1"/>
           </p:cNvSpPr>
@@ -4618,66 +4629,33 @@
         </p:nvSpPr>
         <p:spPr>
           <a:xfrm>
-            <a:off x="1367380" y="2084377"/>
-            <a:ext cx="6764869" cy="1598080"/>
+            <a:off x="457200" y="1489350"/>
+            <a:ext cx="8229600" cy="668513"/>
           </a:xfrm>
         </p:spPr>
         <p:txBody>
           <a:bodyPr>
-            <a:noAutofit/>
+            <a:normAutofit/>
           </a:bodyPr>
           <a:lstStyle/>
           <a:p>
-            <a:pPr>
-              <a:lnSpc>
-                <a:spcPct val="150000"/>
-              </a:lnSpc>
+            <a:pPr marL="0" indent="0" algn="ctr">
+              <a:buNone/>
             </a:pPr>
             <a:r>
-              <a:rPr lang="en-US" sz="3200" dirty="0">
-                <a:solidFill>
-                  <a:schemeClr val="bg1">
-                    <a:lumMod val="75000"/>
-                  </a:schemeClr>
-                </a:solidFill>
+              <a:rPr lang="en-US" sz="3600" dirty="0">
+                <a:hlinkClick r:id="rId2"/>
               </a:rPr>
-              <a:t>Perform QTL analysis with R/</a:t>
-            </a:r>
-            <a:r>
-              <a:rPr lang="en-US" sz="3200" dirty="0" err="1">
-                <a:solidFill>
-                  <a:schemeClr val="bg1">
-                    <a:lumMod val="75000"/>
-                  </a:schemeClr>
-                </a:solidFill>
-              </a:rPr>
-              <a:t>qtl</a:t>
-            </a:r>
-            <a:endParaRPr lang="en-US" sz="3200" dirty="0">
-              <a:solidFill>
-                <a:schemeClr val="bg1">
-                  <a:lumMod val="75000"/>
-                </a:schemeClr>
-              </a:solidFill>
-            </a:endParaRPr>
-          </a:p>
-          <a:p>
-            <a:pPr>
-              <a:lnSpc>
-                <a:spcPct val="150000"/>
-              </a:lnSpc>
-            </a:pPr>
-            <a:r>
-              <a:rPr lang="en-US" sz="3200" dirty="0"/>
-              <a:t>Perform GWAS analysis with GAPIT</a:t>
-            </a:r>
+              <a:t>qtl2</a:t>
+            </a:r>
+            <a:endParaRPr lang="en-US" sz="3600" dirty="0"/>
           </a:p>
         </p:txBody>
       </p:sp>
     </p:spTree>
     <p:extLst>
       <p:ext uri="{BB962C8B-B14F-4D97-AF65-F5344CB8AC3E}">
-        <p14:creationId xmlns:p14="http://schemas.microsoft.com/office/powerpoint/2010/main" val="1186987398"/>
+        <p14:creationId xmlns:p14="http://schemas.microsoft.com/office/powerpoint/2010/main" val="596368050"/>
       </p:ext>
     </p:extLst>
   </p:cSld>
@@ -4706,13 +4684,7 @@
       </p:grpSpPr>
       <p:sp>
         <p:nvSpPr>
-          <p:cNvPr id="2" name="Title 1">
-            <a:extLst>
-              <a:ext uri="{FF2B5EF4-FFF2-40B4-BE49-F238E27FC236}">
-                <a16:creationId xmlns:a16="http://schemas.microsoft.com/office/drawing/2014/main" id="{3E90AC99-85E1-0D46-8A6B-BFA779C308D8}"/>
-              </a:ext>
-            </a:extLst>
-          </p:cNvPr>
+          <p:cNvPr id="2" name="Title 1"/>
           <p:cNvSpPr>
             <a:spLocks noGrp="1"/>
           </p:cNvSpPr>
@@ -4720,27 +4692,28 @@
             <p:ph type="title"/>
           </p:nvPr>
         </p:nvSpPr>
-        <p:spPr/>
+        <p:spPr>
+          <a:xfrm>
+            <a:off x="457200" y="274637"/>
+            <a:ext cx="8229600" cy="1309081"/>
+          </a:xfrm>
+        </p:spPr>
         <p:txBody>
-          <a:bodyPr/>
+          <a:bodyPr>
+            <a:normAutofit/>
+          </a:bodyPr>
           <a:lstStyle/>
           <a:p>
             <a:r>
-              <a:rPr lang="en-US" dirty="0"/>
-              <a:t>Install GAPIT and related packages</a:t>
+              <a:rPr lang="en-US" sz="3600" dirty="0"/>
+              <a:t>Goal of today’s lab</a:t>
             </a:r>
           </a:p>
         </p:txBody>
       </p:sp>
       <p:sp>
         <p:nvSpPr>
-          <p:cNvPr id="3" name="Content Placeholder 2">
-            <a:extLst>
-              <a:ext uri="{FF2B5EF4-FFF2-40B4-BE49-F238E27FC236}">
-                <a16:creationId xmlns:a16="http://schemas.microsoft.com/office/drawing/2014/main" id="{B3AFC577-CDA2-504D-B90B-0F0C720E906D}"/>
-              </a:ext>
-            </a:extLst>
-          </p:cNvPr>
+          <p:cNvPr id="3" name="Content Placeholder 2"/>
           <p:cNvSpPr>
             <a:spLocks noGrp="1"/>
           </p:cNvSpPr>
@@ -4750,8 +4723,8 @@
         </p:nvSpPr>
         <p:spPr>
           <a:xfrm>
-            <a:off x="495300" y="918912"/>
-            <a:ext cx="8229600" cy="5708775"/>
+            <a:off x="1367380" y="2084377"/>
+            <a:ext cx="6764869" cy="1598080"/>
           </a:xfrm>
         </p:spPr>
         <p:txBody>
@@ -4760,236 +4733,56 @@
           </a:bodyPr>
           <a:lstStyle/>
           <a:p>
-            <a:pPr marL="0" indent="0">
-              <a:buNone/>
+            <a:pPr>
+              <a:lnSpc>
+                <a:spcPct val="150000"/>
+              </a:lnSpc>
             </a:pPr>
             <a:r>
-              <a:rPr lang="en-US" dirty="0"/>
-              <a:t>if (!</a:t>
-            </a:r>
-            <a:r>
-              <a:rPr lang="en-US" dirty="0" err="1"/>
-              <a:t>requireNamespace</a:t>
-            </a:r>
-            <a:r>
-              <a:rPr lang="en-US" dirty="0"/>
-              <a:t>("</a:t>
-            </a:r>
-            <a:r>
-              <a:rPr lang="en-US" dirty="0" err="1"/>
-              <a:t>BiocManager</a:t>
-            </a:r>
-            <a:r>
-              <a:rPr lang="en-US" dirty="0"/>
-              <a:t>", quietly = TRUE))</a:t>
-            </a:r>
-          </a:p>
-          <a:p>
-            <a:pPr marL="0" indent="0">
-              <a:buNone/>
+              <a:rPr lang="en-US" sz="3200" dirty="0">
+                <a:solidFill>
+                  <a:schemeClr val="bg1">
+                    <a:lumMod val="75000"/>
+                  </a:schemeClr>
+                </a:solidFill>
+              </a:rPr>
+              <a:t>Perform QTL analysis with R/</a:t>
+            </a:r>
+            <a:r>
+              <a:rPr lang="en-US" sz="3200" dirty="0" err="1">
+                <a:solidFill>
+                  <a:schemeClr val="bg1">
+                    <a:lumMod val="75000"/>
+                  </a:schemeClr>
+                </a:solidFill>
+              </a:rPr>
+              <a:t>qtl</a:t>
+            </a:r>
+            <a:endParaRPr lang="en-US" sz="3200" dirty="0">
+              <a:solidFill>
+                <a:schemeClr val="bg1">
+                  <a:lumMod val="75000"/>
+                </a:schemeClr>
+              </a:solidFill>
+            </a:endParaRPr>
+          </a:p>
+          <a:p>
+            <a:pPr>
+              <a:lnSpc>
+                <a:spcPct val="150000"/>
+              </a:lnSpc>
             </a:pPr>
             <a:r>
-              <a:rPr lang="en-US" dirty="0"/>
-              <a:t>    </a:t>
-            </a:r>
-            <a:r>
-              <a:rPr lang="en-US" dirty="0" err="1"/>
-              <a:t>install.packages</a:t>
-            </a:r>
-            <a:r>
-              <a:rPr lang="en-US" dirty="0"/>
-              <a:t>("</a:t>
-            </a:r>
-            <a:r>
-              <a:rPr lang="en-US" dirty="0" err="1"/>
-              <a:t>BiocManager</a:t>
-            </a:r>
-            <a:r>
-              <a:rPr lang="en-US" dirty="0"/>
-              <a:t>")</a:t>
-            </a:r>
-          </a:p>
-          <a:p>
-            <a:pPr marL="0" indent="0">
-              <a:buNone/>
-            </a:pPr>
-            <a:r>
-              <a:rPr lang="en-US" dirty="0" err="1"/>
-              <a:t>BiocManager</a:t>
-            </a:r>
-            <a:r>
-              <a:rPr lang="en-US" dirty="0"/>
-              <a:t>::install()</a:t>
-            </a:r>
-          </a:p>
-          <a:p>
-            <a:pPr marL="0" indent="0">
-              <a:buNone/>
-            </a:pPr>
-            <a:endParaRPr lang="en-US" dirty="0"/>
-          </a:p>
-          <a:p>
-            <a:pPr marL="0" indent="0">
-              <a:buNone/>
-            </a:pPr>
-            <a:r>
-              <a:rPr lang="en-US" dirty="0"/>
-              <a:t># Install specific packages:</a:t>
-            </a:r>
-          </a:p>
-          <a:p>
-            <a:pPr marL="0" indent="0">
-              <a:buNone/>
-            </a:pPr>
-            <a:r>
-              <a:rPr lang="en-US" dirty="0"/>
-              <a:t># "</a:t>
-            </a:r>
-            <a:r>
-              <a:rPr lang="en-US" dirty="0" err="1"/>
-              <a:t>multtest</a:t>
-            </a:r>
-            <a:r>
-              <a:rPr lang="en-US" dirty="0"/>
-              <a:t>". "chopsticks", "</a:t>
-            </a:r>
-            <a:r>
-              <a:rPr lang="en-US" dirty="0" err="1"/>
-              <a:t>snpStats</a:t>
-            </a:r>
-            <a:r>
-              <a:rPr lang="en-US" dirty="0"/>
-              <a:t>”</a:t>
-            </a:r>
-          </a:p>
-          <a:p>
-            <a:pPr marL="0" indent="0">
-              <a:buNone/>
-            </a:pPr>
-            <a:r>
-              <a:rPr lang="en-US" dirty="0" err="1"/>
-              <a:t>BiocManager</a:t>
-            </a:r>
-            <a:r>
-              <a:rPr lang="en-US" dirty="0"/>
-              <a:t>::install(c("</a:t>
-            </a:r>
-            <a:r>
-              <a:rPr lang="en-US" dirty="0" err="1"/>
-              <a:t>multtest</a:t>
-            </a:r>
-            <a:r>
-              <a:rPr lang="en-US" dirty="0"/>
-              <a:t>", "chopsticks", "</a:t>
-            </a:r>
-            <a:r>
-              <a:rPr lang="en-US" dirty="0" err="1"/>
-              <a:t>snpStats</a:t>
-            </a:r>
-            <a:r>
-              <a:rPr lang="en-US" dirty="0"/>
-              <a:t>"))</a:t>
-            </a:r>
-          </a:p>
-          <a:p>
-            <a:pPr marL="0" indent="0">
-              <a:buNone/>
-            </a:pPr>
-            <a:endParaRPr lang="en-US" dirty="0"/>
-          </a:p>
-          <a:p>
-            <a:pPr marL="0" indent="0">
-              <a:buNone/>
-            </a:pPr>
-            <a:r>
-              <a:rPr lang="en-US" dirty="0" err="1"/>
-              <a:t>install.packages</a:t>
-            </a:r>
-            <a:r>
-              <a:rPr lang="en-US" dirty="0"/>
-              <a:t>("</a:t>
-            </a:r>
-            <a:r>
-              <a:rPr lang="en-US" dirty="0" err="1"/>
-              <a:t>gplots</a:t>
-            </a:r>
-            <a:r>
-              <a:rPr lang="en-US" dirty="0"/>
-              <a:t>")</a:t>
-            </a:r>
-          </a:p>
-          <a:p>
-            <a:pPr marL="0" indent="0">
-              <a:buNone/>
-            </a:pPr>
-            <a:r>
-              <a:rPr lang="en-US" dirty="0" err="1"/>
-              <a:t>install.packages</a:t>
-            </a:r>
-            <a:r>
-              <a:rPr lang="en-US" dirty="0"/>
-              <a:t>("</a:t>
-            </a:r>
-            <a:r>
-              <a:rPr lang="en-US" dirty="0" err="1"/>
-              <a:t>LDheatmap</a:t>
-            </a:r>
-            <a:r>
-              <a:rPr lang="en-US" dirty="0"/>
-              <a:t>")</a:t>
-            </a:r>
-          </a:p>
-          <a:p>
-            <a:pPr marL="0" indent="0">
-              <a:buNone/>
-            </a:pPr>
-            <a:r>
-              <a:rPr lang="en-US" dirty="0" err="1"/>
-              <a:t>install.packages</a:t>
-            </a:r>
-            <a:r>
-              <a:rPr lang="en-US" dirty="0"/>
-              <a:t>("scatterplot3d")</a:t>
-            </a:r>
-          </a:p>
-          <a:p>
-            <a:pPr marL="0" indent="0">
-              <a:buNone/>
-            </a:pPr>
-            <a:r>
-              <a:rPr lang="en-US" dirty="0" err="1"/>
-              <a:t>install.packages</a:t>
-            </a:r>
-            <a:r>
-              <a:rPr lang="en-US" dirty="0"/>
-              <a:t>("genetics")</a:t>
-            </a:r>
-          </a:p>
-          <a:p>
-            <a:pPr marL="0" indent="0">
-              <a:buNone/>
-            </a:pPr>
-            <a:r>
-              <a:rPr lang="en-US" dirty="0" err="1"/>
-              <a:t>install.packages</a:t>
-            </a:r>
-            <a:r>
-              <a:rPr lang="en-US" dirty="0"/>
-              <a:t>("EMMREML")</a:t>
-            </a:r>
-          </a:p>
-          <a:p>
-            <a:pPr marL="0" indent="0">
-              <a:buNone/>
-            </a:pPr>
-            <a:endParaRPr lang="en-US" dirty="0"/>
+              <a:rPr lang="en-US" sz="3200" dirty="0"/>
+              <a:t>Perform GWAS analysis with GAPIT</a:t>
+            </a:r>
           </a:p>
         </p:txBody>
       </p:sp>
     </p:spTree>
     <p:extLst>
       <p:ext uri="{BB962C8B-B14F-4D97-AF65-F5344CB8AC3E}">
-        <p14:creationId xmlns:p14="http://schemas.microsoft.com/office/powerpoint/2010/main" val="3752708070"/>
+        <p14:creationId xmlns:p14="http://schemas.microsoft.com/office/powerpoint/2010/main" val="1186987398"/>
       </p:ext>
     </p:extLst>
   </p:cSld>
@@ -5018,7 +4811,13 @@
       </p:grpSpPr>
       <p:sp>
         <p:nvSpPr>
-          <p:cNvPr id="2" name="Title 1"/>
+          <p:cNvPr id="2" name="Title 1">
+            <a:extLst>
+              <a:ext uri="{FF2B5EF4-FFF2-40B4-BE49-F238E27FC236}">
+                <a16:creationId xmlns:a16="http://schemas.microsoft.com/office/drawing/2014/main" id="{5ABB6C34-B166-9B33-51F4-FCC816A8B5D6}"/>
+              </a:ext>
+            </a:extLst>
+          </p:cNvPr>
           <p:cNvSpPr>
             <a:spLocks noGrp="1"/>
           </p:cNvSpPr>
@@ -5033,14 +4832,20 @@
           <a:p>
             <a:r>
               <a:rPr lang="en-US" dirty="0"/>
-              <a:t>Load related packages</a:t>
+              <a:t>Installation of GAPIT3</a:t>
             </a:r>
           </a:p>
         </p:txBody>
       </p:sp>
       <p:sp>
         <p:nvSpPr>
-          <p:cNvPr id="3" name="Content Placeholder 2"/>
+          <p:cNvPr id="3" name="Content Placeholder 2">
+            <a:extLst>
+              <a:ext uri="{FF2B5EF4-FFF2-40B4-BE49-F238E27FC236}">
+                <a16:creationId xmlns:a16="http://schemas.microsoft.com/office/drawing/2014/main" id="{C2146C6B-1B9B-DB93-3686-6C0B72A6DF54}"/>
+              </a:ext>
+            </a:extLst>
+          </p:cNvPr>
           <p:cNvSpPr>
             <a:spLocks noGrp="1"/>
           </p:cNvSpPr>
@@ -5050,216 +4855,630 @@
         </p:nvSpPr>
         <p:spPr>
           <a:xfrm>
-            <a:off x="1088252" y="1157247"/>
-            <a:ext cx="7598548" cy="5176878"/>
+            <a:off x="457200" y="1384876"/>
+            <a:ext cx="8229600" cy="1450921"/>
           </a:xfrm>
         </p:spPr>
         <p:txBody>
-          <a:bodyPr>
-            <a:noAutofit/>
+          <a:bodyPr/>
+          <a:lstStyle/>
+          <a:p>
+            <a:pPr marL="0" indent="0">
+              <a:buNone/>
+            </a:pPr>
+            <a:r>
+              <a:rPr lang="en-US" dirty="0" err="1"/>
+              <a:t>install.packages</a:t>
+            </a:r>
+            <a:r>
+              <a:rPr lang="en-US" dirty="0"/>
+              <a:t>("</a:t>
+            </a:r>
+            <a:r>
+              <a:rPr lang="en-US" dirty="0" err="1"/>
+              <a:t>devtools</a:t>
+            </a:r>
+            <a:r>
+              <a:rPr lang="en-US" dirty="0"/>
+              <a:t>")</a:t>
+            </a:r>
+          </a:p>
+          <a:p>
+            <a:pPr marL="0" indent="0">
+              <a:buNone/>
+            </a:pPr>
+            <a:r>
+              <a:rPr lang="en-US" dirty="0" err="1"/>
+              <a:t>devtools</a:t>
+            </a:r>
+            <a:r>
+              <a:rPr lang="en-US" dirty="0"/>
+              <a:t>::</a:t>
+            </a:r>
+            <a:r>
+              <a:rPr lang="en-US" dirty="0" err="1"/>
+              <a:t>install_github</a:t>
+            </a:r>
+            <a:r>
+              <a:rPr lang="en-US" dirty="0"/>
+              <a:t>("</a:t>
+            </a:r>
+            <a:r>
+              <a:rPr lang="en-US" dirty="0" err="1"/>
+              <a:t>jiabowang</a:t>
+            </a:r>
+            <a:r>
+              <a:rPr lang="en-US" dirty="0"/>
+              <a:t>/GAPIT3",force=TRUE)</a:t>
+            </a:r>
+          </a:p>
+          <a:p>
+            <a:pPr marL="0" indent="0">
+              <a:buNone/>
+            </a:pPr>
+            <a:r>
+              <a:rPr lang="en-US" dirty="0"/>
+              <a:t>library(GAPIT3)</a:t>
+            </a:r>
+          </a:p>
+        </p:txBody>
+      </p:sp>
+      <p:sp>
+        <p:nvSpPr>
+          <p:cNvPr id="4" name="Content Placeholder 2">
+            <a:extLst>
+              <a:ext uri="{FF2B5EF4-FFF2-40B4-BE49-F238E27FC236}">
+                <a16:creationId xmlns:a16="http://schemas.microsoft.com/office/drawing/2014/main" id="{CC0162D2-7AF3-22A3-DEC4-5A685826A11E}"/>
+              </a:ext>
+            </a:extLst>
+          </p:cNvPr>
+          <p:cNvSpPr txBox="1">
+            <a:spLocks/>
+          </p:cNvSpPr>
+          <p:nvPr/>
+        </p:nvSpPr>
+        <p:spPr>
+          <a:xfrm>
+            <a:off x="457200" y="3090440"/>
+            <a:ext cx="8229600" cy="3333509"/>
+          </a:xfrm>
+          <a:prstGeom prst="rect">
+            <a:avLst/>
+          </a:prstGeom>
+        </p:spPr>
+        <p:txBody>
+          <a:bodyPr vert="horz" lIns="91440" tIns="45720" rIns="91440" bIns="45720" rtlCol="0">
+            <a:normAutofit/>
           </a:bodyPr>
-          <a:lstStyle/>
+          <a:lstStyle>
+            <a:lvl1pPr marL="342900" indent="-342900" algn="l" defTabSz="457200" rtl="0" eaLnBrk="1" latinLnBrk="0" hangingPunct="1">
+              <a:spcBef>
+                <a:spcPct val="20000"/>
+              </a:spcBef>
+              <a:buFont typeface="Arial"/>
+              <a:buChar char="•"/>
+              <a:defRPr sz="2400" kern="1200">
+                <a:solidFill>
+                  <a:schemeClr val="tx1"/>
+                </a:solidFill>
+                <a:latin typeface="+mn-lt"/>
+                <a:ea typeface="+mn-ea"/>
+                <a:cs typeface="+mn-cs"/>
+              </a:defRPr>
+            </a:lvl1pPr>
+            <a:lvl2pPr marL="742950" indent="-285750" algn="l" defTabSz="457200" rtl="0" eaLnBrk="1" latinLnBrk="0" hangingPunct="1">
+              <a:spcBef>
+                <a:spcPct val="20000"/>
+              </a:spcBef>
+              <a:buFont typeface="Arial"/>
+              <a:buChar char="–"/>
+              <a:defRPr sz="2400" kern="1200">
+                <a:solidFill>
+                  <a:schemeClr val="tx1"/>
+                </a:solidFill>
+                <a:latin typeface="+mn-lt"/>
+                <a:ea typeface="+mn-ea"/>
+                <a:cs typeface="+mn-cs"/>
+              </a:defRPr>
+            </a:lvl2pPr>
+            <a:lvl3pPr marL="1143000" indent="-228600" algn="l" defTabSz="457200" rtl="0" eaLnBrk="1" latinLnBrk="0" hangingPunct="1">
+              <a:spcBef>
+                <a:spcPct val="20000"/>
+              </a:spcBef>
+              <a:buFont typeface="Arial"/>
+              <a:buChar char="•"/>
+              <a:defRPr sz="2400" kern="1200">
+                <a:solidFill>
+                  <a:schemeClr val="tx1"/>
+                </a:solidFill>
+                <a:latin typeface="+mn-lt"/>
+                <a:ea typeface="+mn-ea"/>
+                <a:cs typeface="+mn-cs"/>
+              </a:defRPr>
+            </a:lvl3pPr>
+            <a:lvl4pPr marL="1600200" indent="-228600" algn="l" defTabSz="457200" rtl="0" eaLnBrk="1" latinLnBrk="0" hangingPunct="1">
+              <a:spcBef>
+                <a:spcPct val="20000"/>
+              </a:spcBef>
+              <a:buFont typeface="Arial"/>
+              <a:buChar char="–"/>
+              <a:defRPr sz="2400" kern="1200">
+                <a:solidFill>
+                  <a:schemeClr val="tx1"/>
+                </a:solidFill>
+                <a:latin typeface="+mn-lt"/>
+                <a:ea typeface="+mn-ea"/>
+                <a:cs typeface="+mn-cs"/>
+              </a:defRPr>
+            </a:lvl4pPr>
+            <a:lvl5pPr marL="2057400" indent="-228600" algn="l" defTabSz="457200" rtl="0" eaLnBrk="1" latinLnBrk="0" hangingPunct="1">
+              <a:spcBef>
+                <a:spcPct val="20000"/>
+              </a:spcBef>
+              <a:buFont typeface="Arial"/>
+              <a:buChar char="»"/>
+              <a:defRPr sz="2400" kern="1200">
+                <a:solidFill>
+                  <a:schemeClr val="tx1"/>
+                </a:solidFill>
+                <a:latin typeface="+mn-lt"/>
+                <a:ea typeface="+mn-ea"/>
+                <a:cs typeface="+mn-cs"/>
+              </a:defRPr>
+            </a:lvl5pPr>
+            <a:lvl6pPr marL="2514600" indent="-228600" algn="l" defTabSz="457200" rtl="0" eaLnBrk="1" latinLnBrk="0" hangingPunct="1">
+              <a:spcBef>
+                <a:spcPct val="20000"/>
+              </a:spcBef>
+              <a:buFont typeface="Arial"/>
+              <a:buChar char="•"/>
+              <a:defRPr sz="2000" kern="1200">
+                <a:solidFill>
+                  <a:schemeClr val="tx1"/>
+                </a:solidFill>
+                <a:latin typeface="+mn-lt"/>
+                <a:ea typeface="+mn-ea"/>
+                <a:cs typeface="+mn-cs"/>
+              </a:defRPr>
+            </a:lvl6pPr>
+            <a:lvl7pPr marL="2971800" indent="-228600" algn="l" defTabSz="457200" rtl="0" eaLnBrk="1" latinLnBrk="0" hangingPunct="1">
+              <a:spcBef>
+                <a:spcPct val="20000"/>
+              </a:spcBef>
+              <a:buFont typeface="Arial"/>
+              <a:buChar char="•"/>
+              <a:defRPr sz="2000" kern="1200">
+                <a:solidFill>
+                  <a:schemeClr val="tx1"/>
+                </a:solidFill>
+                <a:latin typeface="+mn-lt"/>
+                <a:ea typeface="+mn-ea"/>
+                <a:cs typeface="+mn-cs"/>
+              </a:defRPr>
+            </a:lvl7pPr>
+            <a:lvl8pPr marL="3429000" indent="-228600" algn="l" defTabSz="457200" rtl="0" eaLnBrk="1" latinLnBrk="0" hangingPunct="1">
+              <a:spcBef>
+                <a:spcPct val="20000"/>
+              </a:spcBef>
+              <a:buFont typeface="Arial"/>
+              <a:buChar char="•"/>
+              <a:defRPr sz="2000" kern="1200">
+                <a:solidFill>
+                  <a:schemeClr val="tx1"/>
+                </a:solidFill>
+                <a:latin typeface="+mn-lt"/>
+                <a:ea typeface="+mn-ea"/>
+                <a:cs typeface="+mn-cs"/>
+              </a:defRPr>
+            </a:lvl8pPr>
+            <a:lvl9pPr marL="3886200" indent="-228600" algn="l" defTabSz="457200" rtl="0" eaLnBrk="1" latinLnBrk="0" hangingPunct="1">
+              <a:spcBef>
+                <a:spcPct val="20000"/>
+              </a:spcBef>
+              <a:buFont typeface="Arial"/>
+              <a:buChar char="•"/>
+              <a:defRPr sz="2000" kern="1200">
+                <a:solidFill>
+                  <a:schemeClr val="tx1"/>
+                </a:solidFill>
+                <a:latin typeface="+mn-lt"/>
+                <a:ea typeface="+mn-ea"/>
+                <a:cs typeface="+mn-cs"/>
+              </a:defRPr>
+            </a:lvl9pPr>
+          </a:lstStyle>
           <a:p>
             <a:pPr marL="0" indent="0">
+              <a:buFont typeface="Arial"/>
               <a:buNone/>
             </a:pPr>
             <a:r>
-              <a:rPr lang="en-US" sz="2000" dirty="0"/>
-              <a:t># load these packages</a:t>
+              <a:rPr lang="en-US" dirty="0">
+                <a:solidFill>
+                  <a:schemeClr val="bg1">
+                    <a:lumMod val="85000"/>
+                  </a:schemeClr>
+                </a:solidFill>
+              </a:rPr>
+              <a:t>if (!require("</a:t>
+            </a:r>
+            <a:r>
+              <a:rPr lang="en-US" dirty="0" err="1">
+                <a:solidFill>
+                  <a:schemeClr val="bg1">
+                    <a:lumMod val="85000"/>
+                  </a:schemeClr>
+                </a:solidFill>
+              </a:rPr>
+              <a:t>BiocManager</a:t>
+            </a:r>
+            <a:r>
+              <a:rPr lang="en-US" dirty="0">
+                <a:solidFill>
+                  <a:schemeClr val="bg1">
+                    <a:lumMod val="85000"/>
+                  </a:schemeClr>
+                </a:solidFill>
+              </a:rPr>
+              <a:t>", quietly = TRUE))</a:t>
             </a:r>
           </a:p>
           <a:p>
             <a:pPr marL="0" indent="0">
+              <a:buFont typeface="Arial"/>
               <a:buNone/>
             </a:pPr>
             <a:r>
-              <a:rPr lang="en-US" sz="2000" dirty="0"/>
-              <a:t>library('MASS') # required for </a:t>
-            </a:r>
-            <a:r>
-              <a:rPr lang="en-US" sz="2000" dirty="0" err="1"/>
-              <a:t>ginv</a:t>
-            </a:r>
-            <a:endParaRPr lang="en-US" sz="2000" dirty="0"/>
+              <a:rPr lang="en-US" dirty="0">
+                <a:solidFill>
+                  <a:schemeClr val="bg1">
+                    <a:lumMod val="85000"/>
+                  </a:schemeClr>
+                </a:solidFill>
+              </a:rPr>
+              <a:t>    </a:t>
+            </a:r>
+            <a:r>
+              <a:rPr lang="en-US" dirty="0" err="1">
+                <a:solidFill>
+                  <a:schemeClr val="bg1">
+                    <a:lumMod val="85000"/>
+                  </a:schemeClr>
+                </a:solidFill>
+              </a:rPr>
+              <a:t>install.packages</a:t>
+            </a:r>
+            <a:r>
+              <a:rPr lang="en-US" dirty="0">
+                <a:solidFill>
+                  <a:schemeClr val="bg1">
+                    <a:lumMod val="85000"/>
+                  </a:schemeClr>
+                </a:solidFill>
+              </a:rPr>
+              <a:t>("</a:t>
+            </a:r>
+            <a:r>
+              <a:rPr lang="en-US" dirty="0" err="1">
+                <a:solidFill>
+                  <a:schemeClr val="bg1">
+                    <a:lumMod val="85000"/>
+                  </a:schemeClr>
+                </a:solidFill>
+              </a:rPr>
+              <a:t>BiocManager</a:t>
+            </a:r>
+            <a:r>
+              <a:rPr lang="en-US" dirty="0">
+                <a:solidFill>
+                  <a:schemeClr val="bg1">
+                    <a:lumMod val="85000"/>
+                  </a:schemeClr>
+                </a:solidFill>
+              </a:rPr>
+              <a:t>")</a:t>
+            </a:r>
           </a:p>
           <a:p>
             <a:pPr marL="0" indent="0">
+              <a:buFont typeface="Arial"/>
               <a:buNone/>
             </a:pPr>
             <a:r>
-              <a:rPr lang="en-US" sz="2000" dirty="0"/>
-              <a:t>library(</a:t>
-            </a:r>
-            <a:r>
-              <a:rPr lang="en-US" sz="2000" dirty="0" err="1"/>
-              <a:t>multtest</a:t>
-            </a:r>
-            <a:r>
-              <a:rPr lang="en-US" sz="2000" dirty="0"/>
-              <a:t>)</a:t>
+              <a:rPr lang="en-US" dirty="0" err="1">
+                <a:solidFill>
+                  <a:schemeClr val="bg1">
+                    <a:lumMod val="85000"/>
+                  </a:schemeClr>
+                </a:solidFill>
+              </a:rPr>
+              <a:t>BiocManager</a:t>
+            </a:r>
+            <a:r>
+              <a:rPr lang="en-US" dirty="0">
+                <a:solidFill>
+                  <a:schemeClr val="bg1">
+                    <a:lumMod val="85000"/>
+                  </a:schemeClr>
+                </a:solidFill>
+              </a:rPr>
+              <a:t>::install(c("</a:t>
+            </a:r>
+            <a:r>
+              <a:rPr lang="en-US" dirty="0" err="1">
+                <a:solidFill>
+                  <a:schemeClr val="bg1">
+                    <a:lumMod val="85000"/>
+                  </a:schemeClr>
+                </a:solidFill>
+              </a:rPr>
+              <a:t>snpStats</a:t>
+            </a:r>
+            <a:r>
+              <a:rPr lang="en-US" dirty="0">
+                <a:solidFill>
+                  <a:schemeClr val="bg1">
+                    <a:lumMod val="85000"/>
+                  </a:schemeClr>
+                </a:solidFill>
+              </a:rPr>
+              <a:t>", "</a:t>
+            </a:r>
+            <a:r>
+              <a:rPr lang="en-US" dirty="0" err="1">
+                <a:solidFill>
+                  <a:schemeClr val="bg1">
+                    <a:lumMod val="85000"/>
+                  </a:schemeClr>
+                </a:solidFill>
+              </a:rPr>
+              <a:t>rtracklayer</a:t>
+            </a:r>
+            <a:r>
+              <a:rPr lang="en-US" dirty="0">
+                <a:solidFill>
+                  <a:schemeClr val="bg1">
+                    <a:lumMod val="85000"/>
+                  </a:schemeClr>
+                </a:solidFill>
+              </a:rPr>
+              <a:t>", "</a:t>
+            </a:r>
+            <a:r>
+              <a:rPr lang="en-US" dirty="0" err="1">
+                <a:solidFill>
+                  <a:schemeClr val="bg1">
+                    <a:lumMod val="85000"/>
+                  </a:schemeClr>
+                </a:solidFill>
+              </a:rPr>
+              <a:t>GenomicRanges</a:t>
+            </a:r>
+            <a:r>
+              <a:rPr lang="en-US" dirty="0">
+                <a:solidFill>
+                  <a:schemeClr val="bg1">
+                    <a:lumMod val="85000"/>
+                  </a:schemeClr>
+                </a:solidFill>
+              </a:rPr>
+              <a:t>", "</a:t>
+            </a:r>
+            <a:r>
+              <a:rPr lang="en-US" dirty="0" err="1">
+                <a:solidFill>
+                  <a:schemeClr val="bg1">
+                    <a:lumMod val="85000"/>
+                  </a:schemeClr>
+                </a:solidFill>
+              </a:rPr>
+              <a:t>GenomInfoDb</a:t>
+            </a:r>
+            <a:r>
+              <a:rPr lang="en-US" dirty="0">
+                <a:solidFill>
+                  <a:schemeClr val="bg1">
+                    <a:lumMod val="85000"/>
+                  </a:schemeClr>
+                </a:solidFill>
+              </a:rPr>
+              <a:t>", "</a:t>
+            </a:r>
+            <a:r>
+              <a:rPr lang="en-US" dirty="0" err="1">
+                <a:solidFill>
+                  <a:schemeClr val="bg1">
+                    <a:lumMod val="85000"/>
+                  </a:schemeClr>
+                </a:solidFill>
+              </a:rPr>
+              <a:t>IRanges</a:t>
+            </a:r>
+            <a:r>
+              <a:rPr lang="en-US" dirty="0">
+                <a:solidFill>
+                  <a:schemeClr val="bg1">
+                    <a:lumMod val="85000"/>
+                  </a:schemeClr>
+                </a:solidFill>
+              </a:rPr>
+              <a:t>"))</a:t>
             </a:r>
           </a:p>
           <a:p>
             <a:pPr marL="0" indent="0">
+              <a:buFont typeface="Arial"/>
               <a:buNone/>
             </a:pPr>
             <a:r>
-              <a:rPr lang="en-US" sz="2000" dirty="0"/>
-              <a:t>library(</a:t>
-            </a:r>
-            <a:r>
-              <a:rPr lang="en-US" sz="2000" dirty="0" err="1"/>
-              <a:t>gplots</a:t>
-            </a:r>
-            <a:r>
-              <a:rPr lang="en-US" sz="2000" dirty="0"/>
-              <a:t>)</a:t>
+              <a:rPr lang="en-US" dirty="0" err="1">
+                <a:solidFill>
+                  <a:schemeClr val="bg1">
+                    <a:lumMod val="85000"/>
+                  </a:schemeClr>
+                </a:solidFill>
+              </a:rPr>
+              <a:t>devtools</a:t>
+            </a:r>
+            <a:r>
+              <a:rPr lang="en-US" dirty="0">
+                <a:solidFill>
+                  <a:schemeClr val="bg1">
+                    <a:lumMod val="85000"/>
+                  </a:schemeClr>
+                </a:solidFill>
+              </a:rPr>
+              <a:t>::</a:t>
+            </a:r>
+            <a:r>
+              <a:rPr lang="en-US" dirty="0" err="1">
+                <a:solidFill>
+                  <a:schemeClr val="bg1">
+                    <a:lumMod val="85000"/>
+                  </a:schemeClr>
+                </a:solidFill>
+              </a:rPr>
+              <a:t>install_github</a:t>
+            </a:r>
+            <a:r>
+              <a:rPr lang="en-US" dirty="0">
+                <a:solidFill>
+                  <a:schemeClr val="bg1">
+                    <a:lumMod val="85000"/>
+                  </a:schemeClr>
+                </a:solidFill>
+              </a:rPr>
+              <a:t>("</a:t>
+            </a:r>
+            <a:r>
+              <a:rPr lang="en-US" dirty="0" err="1">
+                <a:solidFill>
+                  <a:schemeClr val="bg1">
+                    <a:lumMod val="85000"/>
+                  </a:schemeClr>
+                </a:solidFill>
+              </a:rPr>
+              <a:t>SFUStatgen</a:t>
+            </a:r>
+            <a:r>
+              <a:rPr lang="en-US" dirty="0">
+                <a:solidFill>
+                  <a:schemeClr val="bg1">
+                    <a:lumMod val="85000"/>
+                  </a:schemeClr>
+                </a:solidFill>
+              </a:rPr>
+              <a:t>/</a:t>
+            </a:r>
+            <a:r>
+              <a:rPr lang="en-US" dirty="0" err="1">
+                <a:solidFill>
+                  <a:schemeClr val="bg1">
+                    <a:lumMod val="85000"/>
+                  </a:schemeClr>
+                </a:solidFill>
+              </a:rPr>
+              <a:t>LDheatmap</a:t>
+            </a:r>
+            <a:r>
+              <a:rPr lang="en-US" dirty="0">
+                <a:solidFill>
+                  <a:schemeClr val="bg1">
+                    <a:lumMod val="85000"/>
+                  </a:schemeClr>
+                </a:solidFill>
+              </a:rPr>
+              <a:t>")</a:t>
             </a:r>
           </a:p>
           <a:p>
             <a:pPr marL="0" indent="0">
+              <a:buFont typeface="Arial"/>
               <a:buNone/>
             </a:pPr>
             <a:r>
-              <a:rPr lang="en-US" sz="2000" dirty="0"/>
-              <a:t>library(</a:t>
-            </a:r>
-            <a:r>
-              <a:rPr lang="en-US" sz="2000" dirty="0" err="1"/>
-              <a:t>LDheatmap</a:t>
-            </a:r>
-            <a:r>
-              <a:rPr lang="en-US" sz="2000" dirty="0"/>
-              <a:t>)</a:t>
+              <a:rPr lang="en-US" dirty="0" err="1">
+                <a:solidFill>
+                  <a:schemeClr val="bg1">
+                    <a:lumMod val="85000"/>
+                  </a:schemeClr>
+                </a:solidFill>
+              </a:rPr>
+              <a:t>devtools</a:t>
+            </a:r>
+            <a:r>
+              <a:rPr lang="en-US" dirty="0">
+                <a:solidFill>
+                  <a:schemeClr val="bg1">
+                    <a:lumMod val="85000"/>
+                  </a:schemeClr>
+                </a:solidFill>
+              </a:rPr>
+              <a:t>::</a:t>
+            </a:r>
+            <a:r>
+              <a:rPr lang="en-US" dirty="0" err="1">
+                <a:solidFill>
+                  <a:schemeClr val="bg1">
+                    <a:lumMod val="85000"/>
+                  </a:schemeClr>
+                </a:solidFill>
+              </a:rPr>
+              <a:t>install_github</a:t>
+            </a:r>
+            <a:r>
+              <a:rPr lang="en-US" dirty="0">
+                <a:solidFill>
+                  <a:schemeClr val="bg1">
+                    <a:lumMod val="85000"/>
+                  </a:schemeClr>
+                </a:solidFill>
+              </a:rPr>
+              <a:t>("</a:t>
+            </a:r>
+            <a:r>
+              <a:rPr lang="en-US" dirty="0" err="1">
+                <a:solidFill>
+                  <a:schemeClr val="bg1">
+                    <a:lumMod val="85000"/>
+                  </a:schemeClr>
+                </a:solidFill>
+              </a:rPr>
+              <a:t>jiabowang</a:t>
+            </a:r>
+            <a:r>
+              <a:rPr lang="en-US" dirty="0">
+                <a:solidFill>
+                  <a:schemeClr val="bg1">
+                    <a:lumMod val="85000"/>
+                  </a:schemeClr>
+                </a:solidFill>
+              </a:rPr>
+              <a:t>/GAPIT3",force=TRUE)</a:t>
             </a:r>
           </a:p>
           <a:p>
             <a:pPr marL="0" indent="0">
+              <a:buFont typeface="Arial"/>
               <a:buNone/>
             </a:pPr>
             <a:r>
-              <a:rPr lang="en-US" sz="2000" dirty="0"/>
-              <a:t>library("scatterplot3d")</a:t>
-            </a:r>
-          </a:p>
-          <a:p>
-            <a:pPr marL="0" indent="0">
-              <a:buNone/>
-            </a:pPr>
-            <a:r>
-              <a:rPr lang="en-US" sz="2000" dirty="0"/>
-              <a:t>library(genetics)</a:t>
-            </a:r>
-          </a:p>
-          <a:p>
-            <a:pPr marL="0" indent="0">
-              <a:buNone/>
-            </a:pPr>
-            <a:r>
-              <a:rPr lang="en-US" sz="2000" dirty="0"/>
-              <a:t>library(EMMREML)</a:t>
-            </a:r>
-          </a:p>
-          <a:p>
-            <a:pPr marL="0" indent="0">
-              <a:buNone/>
-            </a:pPr>
-            <a:r>
-              <a:rPr lang="en-US" sz="2000" dirty="0"/>
-              <a:t>library(compiler) #required for </a:t>
-            </a:r>
-            <a:r>
-              <a:rPr lang="en-US" sz="2000" dirty="0" err="1"/>
-              <a:t>cmpfun</a:t>
-            </a:r>
-            <a:r>
-              <a:rPr lang="en-US" sz="2000" dirty="0"/>
-              <a:t>         </a:t>
-            </a:r>
-          </a:p>
-          <a:p>
-            <a:pPr marL="0" indent="0">
-              <a:buNone/>
-            </a:pPr>
-            <a:endParaRPr lang="en-US" sz="2000" dirty="0"/>
-          </a:p>
-          <a:p>
-            <a:pPr marL="0" indent="0">
-              <a:buNone/>
-            </a:pPr>
-            <a:r>
-              <a:rPr lang="en-US" sz="2000" dirty="0"/>
-              <a:t># load the GAPIT package:</a:t>
-            </a:r>
-          </a:p>
-          <a:p>
-            <a:pPr marL="0" indent="0">
-              <a:buNone/>
-            </a:pPr>
-            <a:r>
-              <a:rPr lang="en-US" sz="2000" dirty="0"/>
-              <a:t>source("http://</a:t>
-            </a:r>
-            <a:r>
-              <a:rPr lang="en-US" sz="2000" dirty="0" err="1"/>
-              <a:t>www.zzlab.net</a:t>
-            </a:r>
-            <a:r>
-              <a:rPr lang="en-US" sz="2000" dirty="0"/>
-              <a:t>/GAPIT/</a:t>
-            </a:r>
-            <a:r>
-              <a:rPr lang="en-US" sz="2000" dirty="0" err="1"/>
-              <a:t>emma.txt</a:t>
-            </a:r>
-            <a:r>
-              <a:rPr lang="en-US" sz="2000" dirty="0"/>
-              <a:t>")</a:t>
-            </a:r>
-          </a:p>
-          <a:p>
-            <a:pPr marL="0" indent="0">
-              <a:buNone/>
-            </a:pPr>
-            <a:r>
-              <a:rPr lang="en-US" sz="2000" dirty="0"/>
-              <a:t>source("http://</a:t>
-            </a:r>
-            <a:r>
-              <a:rPr lang="en-US" sz="2000" dirty="0" err="1"/>
-              <a:t>zzlab.net</a:t>
-            </a:r>
-            <a:r>
-              <a:rPr lang="en-US" sz="2000" dirty="0"/>
-              <a:t>/GAPIT/</a:t>
-            </a:r>
-            <a:r>
-              <a:rPr lang="en-US" sz="2000" dirty="0" err="1"/>
-              <a:t>gapit_functions.txt</a:t>
-            </a:r>
-            <a:r>
-              <a:rPr lang="en-US" sz="2000" dirty="0"/>
-              <a:t>")</a:t>
-            </a:r>
-          </a:p>
-          <a:p>
-            <a:pPr marL="0" indent="0">
-              <a:buNone/>
-            </a:pPr>
-            <a:endParaRPr lang="en-US" sz="2000" dirty="0"/>
-          </a:p>
-          <a:p>
-            <a:pPr marL="0" indent="0">
-              <a:buNone/>
-            </a:pPr>
-            <a:endParaRPr lang="en-US" sz="2000" dirty="0"/>
+              <a:rPr lang="en-US" dirty="0">
+                <a:solidFill>
+                  <a:schemeClr val="bg1">
+                    <a:lumMod val="85000"/>
+                  </a:schemeClr>
+                </a:solidFill>
+              </a:rPr>
+              <a:t>library(GAPIT3)</a:t>
+            </a:r>
           </a:p>
         </p:txBody>
       </p:sp>
     </p:spTree>
     <p:extLst>
       <p:ext uri="{BB962C8B-B14F-4D97-AF65-F5344CB8AC3E}">
-        <p14:creationId xmlns:p14="http://schemas.microsoft.com/office/powerpoint/2010/main" val="3301558693"/>
+        <p14:creationId xmlns:p14="http://schemas.microsoft.com/office/powerpoint/2010/main" val="28487558"/>
       </p:ext>
     </p:extLst>
   </p:cSld>
@@ -5360,7 +5579,7 @@
             </a:r>
             <a:r>
               <a:rPr lang="en-US" sz="2000" dirty="0"/>
-              <a:t>/lab09_QG/</a:t>
+              <a:t>/lab07_QG/</a:t>
             </a:r>
             <a:r>
               <a:rPr lang="en-US" sz="2000" dirty="0" err="1"/>
@@ -5396,15 +5615,15 @@
             </a:r>
             <a:r>
               <a:rPr lang="en-US" sz="2000" dirty="0"/>
-              <a:t>="/homes/liu3zhen/teaching/datasets/</a:t>
+              <a:t>="https://</a:t>
             </a:r>
             <a:r>
               <a:rPr lang="en-US" sz="2000" dirty="0" err="1"/>
-              <a:t>gwas</a:t>
+              <a:t>people.beocat.ksu.edu</a:t>
             </a:r>
             <a:r>
               <a:rPr lang="en-US" sz="2000" dirty="0"/>
-              <a:t>"</a:t>
+              <a:t>/~liu3zhen/PLPTH813/labs/lab07_QTLgwas"</a:t>
             </a:r>
           </a:p>
           <a:p>
@@ -5630,8 +5849,8 @@
         </p:nvSpPr>
         <p:spPr>
           <a:xfrm>
-            <a:off x="464238" y="1384876"/>
-            <a:ext cx="8222562" cy="4673023"/>
+            <a:off x="457200" y="1392897"/>
+            <a:ext cx="8534399" cy="4673023"/>
           </a:xfrm>
         </p:spPr>
         <p:txBody>
@@ -5644,20 +5863,113 @@
               <a:buNone/>
             </a:pPr>
             <a:r>
+              <a:rPr lang="en-US" sz="2000" dirty="0" err="1"/>
+              <a:t>dp</a:t>
+            </a:r>
+            <a:r>
+              <a:rPr lang="en-US" sz="2000" dirty="0"/>
+              <a:t>="https://</a:t>
+            </a:r>
+            <a:r>
+              <a:rPr lang="en-US" sz="2000" dirty="0" err="1"/>
+              <a:t>people.beocat.ksu.edu</a:t>
+            </a:r>
+            <a:r>
+              <a:rPr lang="en-US" sz="2000" dirty="0"/>
+              <a:t>/~liu3zhen/PLPTH813/labs/lab07_QTLgwas"</a:t>
+            </a:r>
+            <a:endParaRPr lang="en-US" dirty="0"/>
+          </a:p>
+          <a:p>
+            <a:pPr marL="0" indent="0">
+              <a:buNone/>
+            </a:pPr>
+            <a:r>
+              <a:rPr lang="en-US" dirty="0"/>
+              <a:t># step 1: Set data directory and import files</a:t>
+            </a:r>
+          </a:p>
+          <a:p>
+            <a:pPr marL="0" indent="0">
+              <a:buNone/>
+            </a:pPr>
+            <a:r>
+              <a:rPr lang="en-US" dirty="0" err="1"/>
+              <a:t>myY</a:t>
+            </a:r>
+            <a:r>
+              <a:rPr lang="en-US" dirty="0"/>
+              <a:t>  &lt;- </a:t>
+            </a:r>
+            <a:r>
+              <a:rPr lang="en-US" dirty="0" err="1"/>
+              <a:t>read.table</a:t>
+            </a:r>
+            <a:r>
+              <a:rPr lang="en-US" dirty="0"/>
+              <a:t>(paste0(</a:t>
+            </a:r>
+            <a:r>
               <a:rPr lang="en-US" dirty="0" err="1"/>
               <a:t>dp</a:t>
             </a:r>
             <a:r>
               <a:rPr lang="en-US" dirty="0"/>
-              <a:t>="/homes/liu3zhen/teaching/datasets/</a:t>
+              <a:t>, "/</a:t>
             </a:r>
             <a:r>
               <a:rPr lang="en-US" dirty="0" err="1"/>
-              <a:t>gwas</a:t>
+              <a:t>mdp_traits.txt</a:t>
             </a:r>
             <a:r>
               <a:rPr lang="en-US" dirty="0"/>
-              <a:t>"</a:t>
+              <a:t>"), header=T)</a:t>
+            </a:r>
+          </a:p>
+          <a:p>
+            <a:pPr marL="0" indent="0">
+              <a:buNone/>
+            </a:pPr>
+            <a:r>
+              <a:rPr lang="en-US" dirty="0" err="1"/>
+              <a:t>myG</a:t>
+            </a:r>
+            <a:r>
+              <a:rPr lang="en-US" dirty="0"/>
+              <a:t> &lt;- </a:t>
+            </a:r>
+            <a:r>
+              <a:rPr lang="en-US" dirty="0" err="1"/>
+              <a:t>read.delim</a:t>
+            </a:r>
+            <a:r>
+              <a:rPr lang="en-US" dirty="0"/>
+              <a:t>(paste0(</a:t>
+            </a:r>
+            <a:r>
+              <a:rPr lang="en-US" dirty="0" err="1"/>
+              <a:t>dp</a:t>
+            </a:r>
+            <a:r>
+              <a:rPr lang="en-US" dirty="0"/>
+              <a:t>, "/</a:t>
+            </a:r>
+            <a:r>
+              <a:rPr lang="en-US" dirty="0" err="1"/>
+              <a:t>mdp_genotype_test.hmp.txt</a:t>
+            </a:r>
+            <a:r>
+              <a:rPr lang="en-US" dirty="0"/>
+              <a:t>"),</a:t>
+            </a:r>
+          </a:p>
+          <a:p>
+            <a:pPr marL="0" indent="0">
+              <a:buNone/>
+            </a:pPr>
+            <a:r>
+              <a:rPr lang="en-US" dirty="0"/>
+              <a:t>                                   header=F)</a:t>
             </a:r>
           </a:p>
           <a:p>
@@ -5672,7 +5984,7 @@
             </a:pPr>
             <a:r>
               <a:rPr lang="en-US" dirty="0"/>
-              <a:t># step 1: Set data directory and import files</a:t>
+              <a:t># step 2: Run GAPIT</a:t>
             </a:r>
           </a:p>
           <a:p>
@@ -5680,97 +5992,8 @@
               <a:buNone/>
             </a:pPr>
             <a:r>
-              <a:rPr lang="en-US" dirty="0" err="1"/>
-              <a:t>myY</a:t>
-            </a:r>
-            <a:r>
               <a:rPr lang="en-US" dirty="0"/>
-              <a:t>  &lt;- </a:t>
-            </a:r>
-            <a:r>
-              <a:rPr lang="en-US" dirty="0" err="1"/>
-              <a:t>read.table</a:t>
-            </a:r>
-            <a:r>
-              <a:rPr lang="en-US" dirty="0"/>
-              <a:t>(paste0(</a:t>
-            </a:r>
-            <a:r>
-              <a:rPr lang="en-US" dirty="0" err="1"/>
-              <a:t>dp</a:t>
-            </a:r>
-            <a:r>
-              <a:rPr lang="en-US" dirty="0"/>
-              <a:t>, "/</a:t>
-            </a:r>
-            <a:r>
-              <a:rPr lang="en-US" dirty="0" err="1"/>
-              <a:t>mdp_traits.txt</a:t>
-            </a:r>
-            <a:r>
-              <a:rPr lang="en-US" dirty="0"/>
-              <a:t>"), header = T)</a:t>
-            </a:r>
-          </a:p>
-          <a:p>
-            <a:pPr marL="0" indent="0">
-              <a:buNone/>
-            </a:pPr>
-            <a:r>
-              <a:rPr lang="en-US" dirty="0" err="1"/>
-              <a:t>myG</a:t>
-            </a:r>
-            <a:r>
-              <a:rPr lang="en-US" dirty="0"/>
-              <a:t> &lt;- </a:t>
-            </a:r>
-            <a:r>
-              <a:rPr lang="en-US" dirty="0" err="1"/>
-              <a:t>read.delim</a:t>
-            </a:r>
-            <a:r>
-              <a:rPr lang="en-US" dirty="0"/>
-              <a:t>(paste0(</a:t>
-            </a:r>
-            <a:r>
-              <a:rPr lang="en-US" dirty="0" err="1"/>
-              <a:t>dp</a:t>
-            </a:r>
-            <a:r>
-              <a:rPr lang="en-US" dirty="0"/>
-              <a:t>, "/</a:t>
-            </a:r>
-            <a:r>
-              <a:rPr lang="en-US" dirty="0" err="1"/>
-              <a:t>mdp_genotype_test.hmp.txt</a:t>
-            </a:r>
-            <a:r>
-              <a:rPr lang="en-US" dirty="0"/>
-              <a:t>"),</a:t>
-            </a:r>
-          </a:p>
-          <a:p>
-            <a:pPr marL="0" indent="0">
-              <a:buNone/>
-            </a:pPr>
-            <a:r>
-              <a:rPr lang="en-US" dirty="0"/>
-              <a:t>                                   header = F)</a:t>
-            </a:r>
-          </a:p>
-          <a:p>
-            <a:pPr marL="0" indent="0">
-              <a:buNone/>
-            </a:pPr>
-            <a:endParaRPr lang="en-US" dirty="0"/>
-          </a:p>
-          <a:p>
-            <a:pPr marL="0" indent="0">
-              <a:buNone/>
-            </a:pPr>
-            <a:r>
-              <a:rPr lang="en-US" dirty="0"/>
-              <a:t># step 2: Run GAPIT</a:t>
+              <a:t>library("GAPIT")</a:t>
             </a:r>
           </a:p>
           <a:p>
@@ -5860,11 +6083,13 @@
         </p:nvSpPr>
         <p:spPr/>
         <p:txBody>
-          <a:bodyPr/>
+          <a:bodyPr>
+            <a:normAutofit/>
+          </a:bodyPr>
           <a:lstStyle/>
           <a:p>
             <a:r>
-              <a:rPr lang="en-US" dirty="0"/>
+              <a:rPr lang="en-US" sz="3200" dirty="0"/>
               <a:t>output result - I</a:t>
             </a:r>
           </a:p>
@@ -10009,8 +10234,8 @@
         </p:nvSpPr>
         <p:spPr>
           <a:xfrm>
-            <a:off x="698500" y="1355635"/>
-            <a:ext cx="7251700" cy="1569660"/>
+            <a:off x="457200" y="1392967"/>
+            <a:ext cx="8619120" cy="1569660"/>
           </a:xfrm>
           <a:prstGeom prst="rect">
             <a:avLst/>
@@ -10048,7 +10273,7 @@
             </a:r>
             <a:r>
               <a:rPr lang="en-US" sz="2400" dirty="0" err="1"/>
-              <a:t>GAPIT.MLM.EarHT.GWAS.Results.csv</a:t>
+              <a:t>GAPIT.Association.GWAS_Results.MLM.EarHT.csv</a:t>
             </a:r>
             <a:r>
               <a:rPr lang="en-US" sz="2400" dirty="0"/>
@@ -10547,8 +10772,8 @@
         </p:blipFill>
         <p:spPr>
           <a:xfrm>
-            <a:off x="0" y="2219569"/>
-            <a:ext cx="9144000" cy="4044462"/>
+            <a:off x="179407" y="2270129"/>
+            <a:ext cx="8785185" cy="3885755"/>
           </a:xfrm>
           <a:prstGeom prst="rect">
             <a:avLst/>
@@ -10564,7 +10789,7 @@
         <p:spPr>
           <a:xfrm>
             <a:off x="279400" y="1447800"/>
-            <a:ext cx="7359557" cy="461665"/>
+            <a:ext cx="6636881" cy="461665"/>
           </a:xfrm>
           <a:prstGeom prst="rect">
             <a:avLst/>
@@ -10579,7 +10804,7 @@
           <a:p>
             <a:r>
               <a:rPr lang="en-US" sz="2400" dirty="0" err="1"/>
-              <a:t>GAPIT.MLM.EarHT.Manhattan.Plot.Chromosomewise.pdf</a:t>
+              <a:t>GAPIT.Association.Manhattan_Chro.MLM.EarHT.pdf</a:t>
             </a:r>
             <a:endParaRPr lang="en-US" sz="2400" dirty="0"/>
           </a:p>
@@ -10689,7 +10914,7 @@
             </a:r>
             <a:r>
               <a:rPr lang="en-US" dirty="0"/>
-              <a:t>/lab09_QG/</a:t>
+              <a:t>/lab07_QG/</a:t>
             </a:r>
             <a:r>
               <a:rPr lang="en-US" dirty="0" err="1"/>
@@ -10868,6 +11093,212 @@
     <p:extLst>
       <p:ext uri="{BB962C8B-B14F-4D97-AF65-F5344CB8AC3E}">
         <p14:creationId xmlns:p14="http://schemas.microsoft.com/office/powerpoint/2010/main" val="2465149735"/>
+      </p:ext>
+    </p:extLst>
+  </p:cSld>
+  <p:clrMapOvr>
+    <a:masterClrMapping/>
+  </p:clrMapOvr>
+</p:sld>
+</file>
+
+<file path=ppt/slides/slide23.xml><?xml version="1.0" encoding="utf-8"?>
+<p:sld xmlns:a="http://schemas.openxmlformats.org/drawingml/2006/main" xmlns:r="http://schemas.openxmlformats.org/officeDocument/2006/relationships" xmlns:p="http://schemas.openxmlformats.org/presentationml/2006/main">
+  <p:cSld>
+    <p:spTree>
+      <p:nvGrpSpPr>
+        <p:cNvPr id="1" name=""/>
+        <p:cNvGrpSpPr/>
+        <p:nvPr/>
+      </p:nvGrpSpPr>
+      <p:grpSpPr>
+        <a:xfrm>
+          <a:off x="0" y="0"/>
+          <a:ext cx="0" cy="0"/>
+          <a:chOff x="0" y="0"/>
+          <a:chExt cx="0" cy="0"/>
+        </a:xfrm>
+      </p:grpSpPr>
+      <p:sp>
+        <p:nvSpPr>
+          <p:cNvPr id="2" name="Title 1"/>
+          <p:cNvSpPr>
+            <a:spLocks noGrp="1"/>
+          </p:cNvSpPr>
+          <p:nvPr>
+            <p:ph type="title"/>
+          </p:nvPr>
+        </p:nvSpPr>
+        <p:spPr/>
+        <p:txBody>
+          <a:bodyPr/>
+          <a:lstStyle/>
+          <a:p>
+            <a:r>
+              <a:rPr lang="en-US" dirty="0"/>
+              <a:t>GAPIT with multiple models</a:t>
+            </a:r>
+          </a:p>
+        </p:txBody>
+      </p:sp>
+      <p:sp>
+        <p:nvSpPr>
+          <p:cNvPr id="3" name="Content Placeholder 2"/>
+          <p:cNvSpPr>
+            <a:spLocks noGrp="1"/>
+          </p:cNvSpPr>
+          <p:nvPr>
+            <p:ph idx="1"/>
+          </p:nvPr>
+        </p:nvSpPr>
+        <p:spPr>
+          <a:xfrm>
+            <a:off x="457200" y="1196127"/>
+            <a:ext cx="8534399" cy="2449898"/>
+          </a:xfrm>
+        </p:spPr>
+        <p:txBody>
+          <a:bodyPr>
+            <a:noAutofit/>
+          </a:bodyPr>
+          <a:lstStyle/>
+          <a:p>
+            <a:pPr marL="0" indent="0">
+              <a:buNone/>
+            </a:pPr>
+            <a:endParaRPr lang="en-US" dirty="0"/>
+          </a:p>
+          <a:p>
+            <a:pPr marL="0" indent="0">
+              <a:buNone/>
+            </a:pPr>
+            <a:r>
+              <a:rPr lang="en-US" dirty="0"/>
+              <a:t># Run GAPIT with multiple models</a:t>
+            </a:r>
+          </a:p>
+          <a:p>
+            <a:pPr marL="0" indent="0">
+              <a:buNone/>
+            </a:pPr>
+            <a:r>
+              <a:rPr lang="en-US" dirty="0" err="1"/>
+              <a:t>myGAPIT</a:t>
+            </a:r>
+            <a:r>
+              <a:rPr lang="en-US" dirty="0"/>
+              <a:t> &lt;- GAPIT(Y=</a:t>
+            </a:r>
+            <a:r>
+              <a:rPr lang="en-US" dirty="0" err="1"/>
+              <a:t>myY</a:t>
+            </a:r>
+            <a:r>
+              <a:rPr lang="en-US" dirty="0"/>
+              <a:t>[, 1:2], G=</a:t>
+            </a:r>
+            <a:r>
+              <a:rPr lang="en-US" dirty="0" err="1"/>
+              <a:t>myG</a:t>
+            </a:r>
+            <a:r>
+              <a:rPr lang="en-US" dirty="0"/>
+              <a:t>, </a:t>
+            </a:r>
+            <a:r>
+              <a:rPr lang="en-US" dirty="0" err="1"/>
+              <a:t>PCA.total</a:t>
+            </a:r>
+            <a:r>
+              <a:rPr lang="en-US" dirty="0"/>
+              <a:t>=3,</a:t>
+            </a:r>
+          </a:p>
+          <a:p>
+            <a:pPr marL="0" indent="0">
+              <a:buNone/>
+            </a:pPr>
+            <a:r>
+              <a:rPr lang="en-US" dirty="0"/>
+              <a:t>                                   model=c("</a:t>
+            </a:r>
+            <a:r>
+              <a:rPr lang="en-US" dirty="0" err="1"/>
+              <a:t>FarmCPU</a:t>
+            </a:r>
+            <a:r>
+              <a:rPr lang="en-US" dirty="0"/>
+              <a:t>", "Blink"),</a:t>
+            </a:r>
+          </a:p>
+          <a:p>
+            <a:pPr marL="0" indent="0">
+              <a:buNone/>
+            </a:pPr>
+            <a:r>
+              <a:rPr lang="en-US" dirty="0"/>
+              <a:t>                                    </a:t>
+            </a:r>
+            <a:r>
+              <a:rPr lang="en-US" dirty="0" err="1"/>
+              <a:t>Multiple_analysis</a:t>
+            </a:r>
+            <a:r>
+              <a:rPr lang="en-US" dirty="0"/>
+              <a:t>=TRUE)</a:t>
+            </a:r>
+          </a:p>
+          <a:p>
+            <a:pPr marL="0" indent="0">
+              <a:buNone/>
+            </a:pPr>
+            <a:endParaRPr lang="en-US" dirty="0"/>
+          </a:p>
+        </p:txBody>
+      </p:sp>
+      <p:sp>
+        <p:nvSpPr>
+          <p:cNvPr id="4" name="TextBox 3">
+            <a:extLst>
+              <a:ext uri="{FF2B5EF4-FFF2-40B4-BE49-F238E27FC236}">
+                <a16:creationId xmlns:a16="http://schemas.microsoft.com/office/drawing/2014/main" id="{4B117E28-8970-9202-07A9-1E77E405A582}"/>
+              </a:ext>
+            </a:extLst>
+          </p:cNvPr>
+          <p:cNvSpPr txBox="1"/>
+          <p:nvPr/>
+        </p:nvSpPr>
+        <p:spPr>
+          <a:xfrm>
+            <a:off x="1284790" y="4861367"/>
+            <a:ext cx="6134582" cy="523220"/>
+          </a:xfrm>
+          <a:prstGeom prst="rect">
+            <a:avLst/>
+          </a:prstGeom>
+          <a:noFill/>
+        </p:spPr>
+        <p:txBody>
+          <a:bodyPr wrap="square" rtlCol="0">
+            <a:spAutoFit/>
+          </a:bodyPr>
+          <a:lstStyle/>
+          <a:p>
+            <a:pPr algn="ctr"/>
+            <a:r>
+              <a:rPr lang="en-US" sz="2800" dirty="0">
+                <a:hlinkClick r:id="rId2"/>
+              </a:rPr>
+              <a:t>the GAPIT guide</a:t>
+            </a:r>
+            <a:endParaRPr lang="en-US" sz="2800" dirty="0"/>
+          </a:p>
+        </p:txBody>
+      </p:sp>
+    </p:spTree>
+    <p:extLst>
+      <p:ext uri="{BB962C8B-B14F-4D97-AF65-F5344CB8AC3E}">
+        <p14:creationId xmlns:p14="http://schemas.microsoft.com/office/powerpoint/2010/main" val="3441345278"/>
       </p:ext>
     </p:extLst>
   </p:cSld>
@@ -10935,7 +11366,7 @@
         </p:nvSpPr>
         <p:spPr>
           <a:xfrm>
-            <a:off x="2700914" y="1948159"/>
+            <a:off x="2650870" y="1523043"/>
             <a:ext cx="3842259" cy="1471756"/>
           </a:xfrm>
         </p:spPr>
@@ -10989,6 +11420,108 @@
             <a:r>
               <a:rPr lang="en-US" sz="2800" dirty="0"/>
               <a:t>library("</a:t>
+            </a:r>
+            <a:r>
+              <a:rPr lang="en-US" sz="2800" dirty="0" err="1"/>
+              <a:t>qtl</a:t>
+            </a:r>
+            <a:r>
+              <a:rPr lang="en-US" sz="2800" dirty="0"/>
+              <a:t>")</a:t>
+            </a:r>
+          </a:p>
+        </p:txBody>
+      </p:sp>
+      <p:sp>
+        <p:nvSpPr>
+          <p:cNvPr id="4" name="TextBox 3">
+            <a:extLst>
+              <a:ext uri="{FF2B5EF4-FFF2-40B4-BE49-F238E27FC236}">
+                <a16:creationId xmlns:a16="http://schemas.microsoft.com/office/drawing/2014/main" id="{8A73FB69-F7C3-D15E-9868-EDF3030F567B}"/>
+              </a:ext>
+            </a:extLst>
+          </p:cNvPr>
+          <p:cNvSpPr txBox="1"/>
+          <p:nvPr/>
+        </p:nvSpPr>
+        <p:spPr>
+          <a:xfrm>
+            <a:off x="260722" y="3863202"/>
+            <a:ext cx="8622553" cy="369332"/>
+          </a:xfrm>
+          <a:prstGeom prst="rect">
+            <a:avLst/>
+          </a:prstGeom>
+          <a:noFill/>
+        </p:spPr>
+        <p:txBody>
+          <a:bodyPr wrap="none" rtlCol="0">
+            <a:spAutoFit/>
+          </a:bodyPr>
+          <a:lstStyle/>
+          <a:p>
+            <a:r>
+              <a:rPr lang="en-US" dirty="0"/>
+              <a:t>Note: If you have trouble to install the package in </a:t>
+            </a:r>
+            <a:r>
+              <a:rPr lang="en-US" dirty="0" err="1"/>
+              <a:t>Rstudio</a:t>
+            </a:r>
+            <a:r>
+              <a:rPr lang="en-US" dirty="0"/>
+              <a:t>, try installing it in the “terminal”.</a:t>
+            </a:r>
+          </a:p>
+        </p:txBody>
+      </p:sp>
+      <p:sp>
+        <p:nvSpPr>
+          <p:cNvPr id="5" name="TextBox 4">
+            <a:extLst>
+              <a:ext uri="{FF2B5EF4-FFF2-40B4-BE49-F238E27FC236}">
+                <a16:creationId xmlns:a16="http://schemas.microsoft.com/office/drawing/2014/main" id="{8FF3DF6D-E9BC-9953-0181-4FD1176DDF46}"/>
+              </a:ext>
+            </a:extLst>
+          </p:cNvPr>
+          <p:cNvSpPr txBox="1"/>
+          <p:nvPr/>
+        </p:nvSpPr>
+        <p:spPr>
+          <a:xfrm>
+            <a:off x="2711289" y="4425381"/>
+            <a:ext cx="3448508" cy="1384995"/>
+          </a:xfrm>
+          <a:prstGeom prst="rect">
+            <a:avLst/>
+          </a:prstGeom>
+          <a:noFill/>
+        </p:spPr>
+        <p:txBody>
+          <a:bodyPr wrap="none" rtlCol="0">
+            <a:spAutoFit/>
+          </a:bodyPr>
+          <a:lstStyle/>
+          <a:p>
+            <a:r>
+              <a:rPr lang="en-US" sz="2800" dirty="0"/>
+              <a:t>module load R</a:t>
+            </a:r>
+          </a:p>
+          <a:p>
+            <a:r>
+              <a:rPr lang="en-US" sz="2800" dirty="0"/>
+              <a:t>R</a:t>
+            </a:r>
+          </a:p>
+          <a:p>
+            <a:r>
+              <a:rPr lang="en-US" sz="2800" dirty="0" err="1"/>
+              <a:t>Install.packages</a:t>
+            </a:r>
+            <a:r>
+              <a:rPr lang="en-US" sz="2800" dirty="0"/>
+              <a:t> ("</a:t>
             </a:r>
             <a:r>
               <a:rPr lang="en-US" sz="2800" dirty="0" err="1"/>
@@ -11048,7 +11581,7 @@
           <a:p>
             <a:r>
               <a:rPr lang="en-US" dirty="0"/>
-              <a:t>Directory preparation</a:t>
+              <a:t>Working directories</a:t>
             </a:r>
           </a:p>
         </p:txBody>
@@ -11065,8 +11598,8 @@
         </p:nvSpPr>
         <p:spPr>
           <a:xfrm>
-            <a:off x="1020377" y="2099152"/>
-            <a:ext cx="7185432" cy="3318267"/>
+            <a:off x="1726433" y="2238048"/>
+            <a:ext cx="6607339" cy="3318267"/>
           </a:xfrm>
         </p:spPr>
         <p:txBody>
@@ -11080,16 +11613,22 @@
             </a:pPr>
             <a:r>
               <a:rPr lang="en-US" sz="2800" dirty="0"/>
-              <a:t>Lab directory: lab09_QG</a:t>
+              <a:t>Lab directory: lab07_QG</a:t>
             </a:r>
           </a:p>
           <a:p>
             <a:pPr marL="0" indent="0">
               <a:buNone/>
             </a:pPr>
+            <a:endParaRPr lang="en-US" sz="2800" dirty="0"/>
+          </a:p>
+          <a:p>
+            <a:pPr marL="0" indent="0">
+              <a:buNone/>
+            </a:pPr>
             <a:r>
               <a:rPr lang="en-US" sz="2800" dirty="0"/>
-              <a:t>QTL directory: lab09_QG/</a:t>
+              <a:t>QTL directory: lab07_QG/</a:t>
             </a:r>
             <a:r>
               <a:rPr lang="en-US" sz="2800" dirty="0" err="1"/>
@@ -11103,45 +11642,12 @@
             </a:pPr>
             <a:r>
               <a:rPr lang="en-US" sz="2800" dirty="0"/>
-              <a:t>GWAS directory: lab09_QG/</a:t>
+              <a:t>GWAS directory: lab07_QG/</a:t>
             </a:r>
             <a:r>
               <a:rPr lang="en-US" sz="2800" dirty="0" err="1"/>
               <a:t>gwas</a:t>
             </a:r>
-            <a:endParaRPr lang="en-US" sz="2800" dirty="0"/>
-          </a:p>
-          <a:p>
-            <a:pPr marL="0" indent="0">
-              <a:buNone/>
-            </a:pPr>
-            <a:r>
-              <a:rPr lang="en-US" sz="2800" dirty="0"/>
-              <a:t>GWAS subdirectory:</a:t>
-            </a:r>
-          </a:p>
-          <a:p>
-            <a:pPr marL="0" indent="0">
-              <a:buNone/>
-            </a:pPr>
-            <a:r>
-              <a:rPr lang="en-US" sz="2800" dirty="0"/>
-              <a:t>run1</a:t>
-            </a:r>
-          </a:p>
-          <a:p>
-            <a:pPr marL="0" indent="0">
-              <a:buNone/>
-            </a:pPr>
-            <a:r>
-              <a:rPr lang="en-US" sz="2800" dirty="0"/>
-              <a:t>run2</a:t>
-            </a:r>
-          </a:p>
-          <a:p>
-            <a:pPr marL="0" indent="0">
-              <a:buNone/>
-            </a:pPr>
             <a:endParaRPr lang="en-US" sz="2800" dirty="0"/>
           </a:p>
         </p:txBody>
@@ -11154,7 +11660,7 @@
         </p:nvSpPr>
         <p:spPr>
           <a:xfrm>
-            <a:off x="618469" y="1354543"/>
+            <a:off x="1324525" y="1493439"/>
             <a:ext cx="3606200" cy="523220"/>
           </a:xfrm>
           <a:prstGeom prst="rect">
@@ -11477,7 +11983,7 @@
             </a:r>
             <a:r>
               <a:rPr lang="en-US" sz="2800" dirty="0"/>
-              <a:t>/lab09_QG/</a:t>
+              <a:t>/lab07_QG/</a:t>
             </a:r>
             <a:r>
               <a:rPr lang="en-US" sz="2800" dirty="0" err="1"/>

--- a/PLPTH813Bioinformatis/2023/labs/lab07_qtl_gwas.pptx
+++ b/PLPTH813Bioinformatis/2023/labs/lab07_qtl_gwas.pptx
@@ -230,7 +230,7 @@
           <a:p>
             <a:fld id="{08E6E0A8-E17C-C949-B17E-7A1A6494483A}" type="datetimeFigureOut">
               <a:rPr lang="en-US" smtClean="0"/>
-              <a:t>3/27/23</a:t>
+              <a:t>3/30/23</a:t>
             </a:fld>
             <a:endParaRPr lang="en-US"/>
           </a:p>
@@ -676,7 +676,7 @@
           <a:p>
             <a:fld id="{42B8B0BE-C8D7-EB48-AD68-71DB5002F24B}" type="datetimeFigureOut">
               <a:rPr lang="en-US" smtClean="0"/>
-              <a:t>3/27/23</a:t>
+              <a:t>3/30/23</a:t>
             </a:fld>
             <a:endParaRPr lang="en-US"/>
           </a:p>
@@ -844,7 +844,7 @@
           <a:p>
             <a:fld id="{42B8B0BE-C8D7-EB48-AD68-71DB5002F24B}" type="datetimeFigureOut">
               <a:rPr lang="en-US" smtClean="0"/>
-              <a:t>3/27/23</a:t>
+              <a:t>3/30/23</a:t>
             </a:fld>
             <a:endParaRPr lang="en-US"/>
           </a:p>
@@ -1022,7 +1022,7 @@
           <a:p>
             <a:fld id="{42B8B0BE-C8D7-EB48-AD68-71DB5002F24B}" type="datetimeFigureOut">
               <a:rPr lang="en-US" smtClean="0"/>
-              <a:t>3/27/23</a:t>
+              <a:t>3/30/23</a:t>
             </a:fld>
             <a:endParaRPr lang="en-US"/>
           </a:p>
@@ -1190,7 +1190,7 @@
           <a:p>
             <a:fld id="{42B8B0BE-C8D7-EB48-AD68-71DB5002F24B}" type="datetimeFigureOut">
               <a:rPr lang="en-US" smtClean="0"/>
-              <a:t>3/27/23</a:t>
+              <a:t>3/30/23</a:t>
             </a:fld>
             <a:endParaRPr lang="en-US"/>
           </a:p>
@@ -1435,7 +1435,7 @@
           <a:p>
             <a:fld id="{42B8B0BE-C8D7-EB48-AD68-71DB5002F24B}" type="datetimeFigureOut">
               <a:rPr lang="en-US" smtClean="0"/>
-              <a:t>3/27/23</a:t>
+              <a:t>3/30/23</a:t>
             </a:fld>
             <a:endParaRPr lang="en-US"/>
           </a:p>
@@ -1720,7 +1720,7 @@
           <a:p>
             <a:fld id="{42B8B0BE-C8D7-EB48-AD68-71DB5002F24B}" type="datetimeFigureOut">
               <a:rPr lang="en-US" smtClean="0"/>
-              <a:t>3/27/23</a:t>
+              <a:t>3/30/23</a:t>
             </a:fld>
             <a:endParaRPr lang="en-US"/>
           </a:p>
@@ -2139,7 +2139,7 @@
           <a:p>
             <a:fld id="{42B8B0BE-C8D7-EB48-AD68-71DB5002F24B}" type="datetimeFigureOut">
               <a:rPr lang="en-US" smtClean="0"/>
-              <a:t>3/27/23</a:t>
+              <a:t>3/30/23</a:t>
             </a:fld>
             <a:endParaRPr lang="en-US"/>
           </a:p>
@@ -2256,7 +2256,7 @@
           <a:p>
             <a:fld id="{42B8B0BE-C8D7-EB48-AD68-71DB5002F24B}" type="datetimeFigureOut">
               <a:rPr lang="en-US" smtClean="0"/>
-              <a:t>3/27/23</a:t>
+              <a:t>3/30/23</a:t>
             </a:fld>
             <a:endParaRPr lang="en-US"/>
           </a:p>
@@ -2351,7 +2351,7 @@
           <a:p>
             <a:fld id="{42B8B0BE-C8D7-EB48-AD68-71DB5002F24B}" type="datetimeFigureOut">
               <a:rPr lang="en-US" smtClean="0"/>
-              <a:t>3/27/23</a:t>
+              <a:t>3/30/23</a:t>
             </a:fld>
             <a:endParaRPr lang="en-US"/>
           </a:p>
@@ -2626,7 +2626,7 @@
           <a:p>
             <a:fld id="{42B8B0BE-C8D7-EB48-AD68-71DB5002F24B}" type="datetimeFigureOut">
               <a:rPr lang="en-US" smtClean="0"/>
-              <a:t>3/27/23</a:t>
+              <a:t>3/30/23</a:t>
             </a:fld>
             <a:endParaRPr lang="en-US"/>
           </a:p>
@@ -2878,7 +2878,7 @@
           <a:p>
             <a:fld id="{42B8B0BE-C8D7-EB48-AD68-71DB5002F24B}" type="datetimeFigureOut">
               <a:rPr lang="en-US" smtClean="0"/>
-              <a:t>3/27/23</a:t>
+              <a:t>3/30/23</a:t>
             </a:fld>
             <a:endParaRPr lang="en-US"/>
           </a:p>
@@ -3089,7 +3089,7 @@
           <a:p>
             <a:fld id="{42B8B0BE-C8D7-EB48-AD68-71DB5002F24B}" type="datetimeFigureOut">
               <a:rPr lang="en-US" smtClean="0"/>
-              <a:t>3/27/23</a:t>
+              <a:t>3/30/23</a:t>
             </a:fld>
             <a:endParaRPr lang="en-US"/>
           </a:p>
@@ -4855,7 +4855,7 @@
         </p:nvSpPr>
         <p:spPr>
           <a:xfrm>
-            <a:off x="457200" y="1384876"/>
+            <a:off x="457200" y="1181459"/>
             <a:ext cx="8229600" cy="1450921"/>
           </a:xfrm>
         </p:spPr>
@@ -4918,7 +4918,7 @@
             </a:pPr>
             <a:r>
               <a:rPr lang="en-US" dirty="0"/>
-              <a:t>library(GAPIT3)</a:t>
+              <a:t>library(GAPIT)</a:t>
             </a:r>
           </a:p>
         </p:txBody>
@@ -4939,8 +4939,8 @@
         </p:nvSpPr>
         <p:spPr>
           <a:xfrm>
-            <a:off x="457200" y="3090440"/>
-            <a:ext cx="8229600" cy="3333509"/>
+            <a:off x="457200" y="3429000"/>
+            <a:ext cx="8229600" cy="3154362"/>
           </a:xfrm>
           <a:prstGeom prst="rect">
             <a:avLst/>
@@ -5096,7 +5096,7 @@
               <a:rPr lang="en-US" dirty="0">
                 <a:solidFill>
                   <a:schemeClr val="bg1">
-                    <a:lumMod val="85000"/>
+                    <a:lumMod val="65000"/>
                   </a:schemeClr>
                 </a:solidFill>
               </a:rPr>
@@ -5106,7 +5106,7 @@
               <a:rPr lang="en-US" dirty="0" err="1">
                 <a:solidFill>
                   <a:schemeClr val="bg1">
-                    <a:lumMod val="85000"/>
+                    <a:lumMod val="65000"/>
                   </a:schemeClr>
                 </a:solidFill>
               </a:rPr>
@@ -5116,7 +5116,7 @@
               <a:rPr lang="en-US" dirty="0">
                 <a:solidFill>
                   <a:schemeClr val="bg1">
-                    <a:lumMod val="85000"/>
+                    <a:lumMod val="65000"/>
                   </a:schemeClr>
                 </a:solidFill>
               </a:rPr>
@@ -5132,7 +5132,7 @@
               <a:rPr lang="en-US" dirty="0">
                 <a:solidFill>
                   <a:schemeClr val="bg1">
-                    <a:lumMod val="85000"/>
+                    <a:lumMod val="65000"/>
                   </a:schemeClr>
                 </a:solidFill>
               </a:rPr>
@@ -5142,7 +5142,7 @@
               <a:rPr lang="en-US" dirty="0" err="1">
                 <a:solidFill>
                   <a:schemeClr val="bg1">
-                    <a:lumMod val="85000"/>
+                    <a:lumMod val="65000"/>
                   </a:schemeClr>
                 </a:solidFill>
               </a:rPr>
@@ -5152,7 +5152,7 @@
               <a:rPr lang="en-US" dirty="0">
                 <a:solidFill>
                   <a:schemeClr val="bg1">
-                    <a:lumMod val="85000"/>
+                    <a:lumMod val="65000"/>
                   </a:schemeClr>
                 </a:solidFill>
               </a:rPr>
@@ -5162,7 +5162,7 @@
               <a:rPr lang="en-US" dirty="0" err="1">
                 <a:solidFill>
                   <a:schemeClr val="bg1">
-                    <a:lumMod val="85000"/>
+                    <a:lumMod val="65000"/>
                   </a:schemeClr>
                 </a:solidFill>
               </a:rPr>
@@ -5172,7 +5172,7 @@
               <a:rPr lang="en-US" dirty="0">
                 <a:solidFill>
                   <a:schemeClr val="bg1">
-                    <a:lumMod val="85000"/>
+                    <a:lumMod val="65000"/>
                   </a:schemeClr>
                 </a:solidFill>
               </a:rPr>
@@ -5188,7 +5188,7 @@
               <a:rPr lang="en-US" dirty="0" err="1">
                 <a:solidFill>
                   <a:schemeClr val="bg1">
-                    <a:lumMod val="85000"/>
+                    <a:lumMod val="65000"/>
                   </a:schemeClr>
                 </a:solidFill>
               </a:rPr>
@@ -5198,7 +5198,7 @@
               <a:rPr lang="en-US" dirty="0">
                 <a:solidFill>
                   <a:schemeClr val="bg1">
-                    <a:lumMod val="85000"/>
+                    <a:lumMod val="65000"/>
                   </a:schemeClr>
                 </a:solidFill>
               </a:rPr>
@@ -5208,7 +5208,7 @@
               <a:rPr lang="en-US" dirty="0" err="1">
                 <a:solidFill>
                   <a:schemeClr val="bg1">
-                    <a:lumMod val="85000"/>
+                    <a:lumMod val="65000"/>
                   </a:schemeClr>
                 </a:solidFill>
               </a:rPr>
@@ -5218,7 +5218,7 @@
               <a:rPr lang="en-US" dirty="0">
                 <a:solidFill>
                   <a:schemeClr val="bg1">
-                    <a:lumMod val="85000"/>
+                    <a:lumMod val="65000"/>
                   </a:schemeClr>
                 </a:solidFill>
               </a:rPr>
@@ -5228,7 +5228,7 @@
               <a:rPr lang="en-US" dirty="0" err="1">
                 <a:solidFill>
                   <a:schemeClr val="bg1">
-                    <a:lumMod val="85000"/>
+                    <a:lumMod val="65000"/>
                   </a:schemeClr>
                 </a:solidFill>
               </a:rPr>
@@ -5238,7 +5238,7 @@
               <a:rPr lang="en-US" dirty="0">
                 <a:solidFill>
                   <a:schemeClr val="bg1">
-                    <a:lumMod val="85000"/>
+                    <a:lumMod val="65000"/>
                   </a:schemeClr>
                 </a:solidFill>
               </a:rPr>
@@ -5248,7 +5248,7 @@
               <a:rPr lang="en-US" dirty="0" err="1">
                 <a:solidFill>
                   <a:schemeClr val="bg1">
-                    <a:lumMod val="85000"/>
+                    <a:lumMod val="65000"/>
                   </a:schemeClr>
                 </a:solidFill>
               </a:rPr>
@@ -5258,7 +5258,7 @@
               <a:rPr lang="en-US" dirty="0">
                 <a:solidFill>
                   <a:schemeClr val="bg1">
-                    <a:lumMod val="85000"/>
+                    <a:lumMod val="65000"/>
                   </a:schemeClr>
                 </a:solidFill>
               </a:rPr>
@@ -5268,7 +5268,7 @@
               <a:rPr lang="en-US" dirty="0" err="1">
                 <a:solidFill>
                   <a:schemeClr val="bg1">
-                    <a:lumMod val="85000"/>
+                    <a:lumMod val="65000"/>
                   </a:schemeClr>
                 </a:solidFill>
               </a:rPr>
@@ -5278,7 +5278,7 @@
               <a:rPr lang="en-US" dirty="0">
                 <a:solidFill>
                   <a:schemeClr val="bg1">
-                    <a:lumMod val="85000"/>
+                    <a:lumMod val="65000"/>
                   </a:schemeClr>
                 </a:solidFill>
               </a:rPr>
@@ -5288,7 +5288,7 @@
               <a:rPr lang="en-US" dirty="0" err="1">
                 <a:solidFill>
                   <a:schemeClr val="bg1">
-                    <a:lumMod val="85000"/>
+                    <a:lumMod val="65000"/>
                   </a:schemeClr>
                 </a:solidFill>
               </a:rPr>
@@ -5298,7 +5298,7 @@
               <a:rPr lang="en-US" dirty="0">
                 <a:solidFill>
                   <a:schemeClr val="bg1">
-                    <a:lumMod val="85000"/>
+                    <a:lumMod val="65000"/>
                   </a:schemeClr>
                 </a:solidFill>
               </a:rPr>
@@ -5314,7 +5314,7 @@
               <a:rPr lang="en-US" dirty="0" err="1">
                 <a:solidFill>
                   <a:schemeClr val="bg1">
-                    <a:lumMod val="85000"/>
+                    <a:lumMod val="65000"/>
                   </a:schemeClr>
                 </a:solidFill>
               </a:rPr>
@@ -5324,7 +5324,7 @@
               <a:rPr lang="en-US" dirty="0">
                 <a:solidFill>
                   <a:schemeClr val="bg1">
-                    <a:lumMod val="85000"/>
+                    <a:lumMod val="65000"/>
                   </a:schemeClr>
                 </a:solidFill>
               </a:rPr>
@@ -5334,7 +5334,7 @@
               <a:rPr lang="en-US" dirty="0" err="1">
                 <a:solidFill>
                   <a:schemeClr val="bg1">
-                    <a:lumMod val="85000"/>
+                    <a:lumMod val="65000"/>
                   </a:schemeClr>
                 </a:solidFill>
               </a:rPr>
@@ -5344,7 +5344,7 @@
               <a:rPr lang="en-US" dirty="0">
                 <a:solidFill>
                   <a:schemeClr val="bg1">
-                    <a:lumMod val="85000"/>
+                    <a:lumMod val="65000"/>
                   </a:schemeClr>
                 </a:solidFill>
               </a:rPr>
@@ -5354,7 +5354,7 @@
               <a:rPr lang="en-US" dirty="0" err="1">
                 <a:solidFill>
                   <a:schemeClr val="bg1">
-                    <a:lumMod val="85000"/>
+                    <a:lumMod val="65000"/>
                   </a:schemeClr>
                 </a:solidFill>
               </a:rPr>
@@ -5364,7 +5364,7 @@
               <a:rPr lang="en-US" dirty="0">
                 <a:solidFill>
                   <a:schemeClr val="bg1">
-                    <a:lumMod val="85000"/>
+                    <a:lumMod val="65000"/>
                   </a:schemeClr>
                 </a:solidFill>
               </a:rPr>
@@ -5374,7 +5374,7 @@
               <a:rPr lang="en-US" dirty="0" err="1">
                 <a:solidFill>
                   <a:schemeClr val="bg1">
-                    <a:lumMod val="85000"/>
+                    <a:lumMod val="65000"/>
                   </a:schemeClr>
                 </a:solidFill>
               </a:rPr>
@@ -5384,7 +5384,7 @@
               <a:rPr lang="en-US" dirty="0">
                 <a:solidFill>
                   <a:schemeClr val="bg1">
-                    <a:lumMod val="85000"/>
+                    <a:lumMod val="65000"/>
                   </a:schemeClr>
                 </a:solidFill>
               </a:rPr>
@@ -5400,7 +5400,7 @@
               <a:rPr lang="en-US" dirty="0" err="1">
                 <a:solidFill>
                   <a:schemeClr val="bg1">
-                    <a:lumMod val="85000"/>
+                    <a:lumMod val="65000"/>
                   </a:schemeClr>
                 </a:solidFill>
               </a:rPr>
@@ -5410,7 +5410,7 @@
               <a:rPr lang="en-US" dirty="0">
                 <a:solidFill>
                   <a:schemeClr val="bg1">
-                    <a:lumMod val="85000"/>
+                    <a:lumMod val="65000"/>
                   </a:schemeClr>
                 </a:solidFill>
               </a:rPr>
@@ -5420,7 +5420,7 @@
               <a:rPr lang="en-US" dirty="0" err="1">
                 <a:solidFill>
                   <a:schemeClr val="bg1">
-                    <a:lumMod val="85000"/>
+                    <a:lumMod val="65000"/>
                   </a:schemeClr>
                 </a:solidFill>
               </a:rPr>
@@ -5430,7 +5430,7 @@
               <a:rPr lang="en-US" dirty="0">
                 <a:solidFill>
                   <a:schemeClr val="bg1">
-                    <a:lumMod val="85000"/>
+                    <a:lumMod val="65000"/>
                   </a:schemeClr>
                 </a:solidFill>
               </a:rPr>
@@ -5440,7 +5440,7 @@
               <a:rPr lang="en-US" dirty="0" err="1">
                 <a:solidFill>
                   <a:schemeClr val="bg1">
-                    <a:lumMod val="85000"/>
+                    <a:lumMod val="65000"/>
                   </a:schemeClr>
                 </a:solidFill>
               </a:rPr>
@@ -5450,7 +5450,7 @@
               <a:rPr lang="en-US" dirty="0">
                 <a:solidFill>
                   <a:schemeClr val="bg1">
-                    <a:lumMod val="85000"/>
+                    <a:lumMod val="65000"/>
                   </a:schemeClr>
                 </a:solidFill>
               </a:rPr>
@@ -5466,11 +5466,46 @@
               <a:rPr lang="en-US" dirty="0">
                 <a:solidFill>
                   <a:schemeClr val="bg1">
-                    <a:lumMod val="85000"/>
+                    <a:lumMod val="65000"/>
                   </a:schemeClr>
                 </a:solidFill>
               </a:rPr>
-              <a:t>library(GAPIT3)</a:t>
+              <a:t>library(GAPIT)</a:t>
+            </a:r>
+          </a:p>
+        </p:txBody>
+      </p:sp>
+      <p:sp>
+        <p:nvSpPr>
+          <p:cNvPr id="5" name="TextBox 4">
+            <a:extLst>
+              <a:ext uri="{FF2B5EF4-FFF2-40B4-BE49-F238E27FC236}">
+                <a16:creationId xmlns:a16="http://schemas.microsoft.com/office/drawing/2014/main" id="{4014E016-4624-4CE3-3B5E-F824C159BF12}"/>
+              </a:ext>
+            </a:extLst>
+          </p:cNvPr>
+          <p:cNvSpPr txBox="1"/>
+          <p:nvPr/>
+        </p:nvSpPr>
+        <p:spPr>
+          <a:xfrm>
+            <a:off x="260723" y="2891305"/>
+            <a:ext cx="5130956" cy="369332"/>
+          </a:xfrm>
+          <a:prstGeom prst="rect">
+            <a:avLst/>
+          </a:prstGeom>
+          <a:noFill/>
+        </p:spPr>
+        <p:txBody>
+          <a:bodyPr wrap="none" rtlCol="0">
+            <a:spAutoFit/>
+          </a:bodyPr>
+          <a:lstStyle/>
+          <a:p>
+            <a:r>
+              <a:rPr lang="en-US" dirty="0"/>
+              <a:t>Note: If you have trouble for the installation, try this:</a:t>
             </a:r>
           </a:p>
         </p:txBody>
@@ -11270,7 +11305,7 @@
         </p:nvSpPr>
         <p:spPr>
           <a:xfrm>
-            <a:off x="1284790" y="4861367"/>
+            <a:off x="1504709" y="4479402"/>
             <a:ext cx="6134582" cy="523220"/>
           </a:xfrm>
           <a:prstGeom prst="rect">
@@ -11504,31 +11539,67 @@
           <a:lstStyle/>
           <a:p>
             <a:r>
-              <a:rPr lang="en-US" sz="2800" dirty="0"/>
+              <a:rPr lang="en-US" sz="2800" dirty="0">
+                <a:solidFill>
+                  <a:schemeClr val="bg1">
+                    <a:lumMod val="65000"/>
+                  </a:schemeClr>
+                </a:solidFill>
+              </a:rPr>
               <a:t>module load R</a:t>
             </a:r>
           </a:p>
           <a:p>
             <a:r>
-              <a:rPr lang="en-US" sz="2800" dirty="0"/>
+              <a:rPr lang="en-US" sz="2800" dirty="0">
+                <a:solidFill>
+                  <a:schemeClr val="bg1">
+                    <a:lumMod val="65000"/>
+                  </a:schemeClr>
+                </a:solidFill>
+              </a:rPr>
               <a:t>R</a:t>
             </a:r>
           </a:p>
           <a:p>
             <a:r>
-              <a:rPr lang="en-US" sz="2800" dirty="0" err="1"/>
+              <a:rPr lang="en-US" sz="2800" dirty="0" err="1">
+                <a:solidFill>
+                  <a:schemeClr val="bg1">
+                    <a:lumMod val="65000"/>
+                  </a:schemeClr>
+                </a:solidFill>
+              </a:rPr>
               <a:t>Install.packages</a:t>
             </a:r>
             <a:r>
-              <a:rPr lang="en-US" sz="2800" dirty="0"/>
+              <a:rPr lang="en-US" sz="2800" dirty="0">
+                <a:solidFill>
+                  <a:schemeClr val="bg1">
+                    <a:lumMod val="65000"/>
+                  </a:schemeClr>
+                </a:solidFill>
+              </a:rPr>
               <a:t> ("</a:t>
             </a:r>
             <a:r>
-              <a:rPr lang="en-US" sz="2800" dirty="0" err="1"/>
+              <a:rPr lang="en-US" sz="2800" dirty="0" err="1">
+                <a:solidFill>
+                  <a:schemeClr val="bg1">
+                    <a:lumMod val="65000"/>
+                  </a:schemeClr>
+                </a:solidFill>
+              </a:rPr>
               <a:t>qtl</a:t>
             </a:r>
             <a:r>
-              <a:rPr lang="en-US" sz="2800" dirty="0"/>
+              <a:rPr lang="en-US" sz="2800" dirty="0">
+                <a:solidFill>
+                  <a:schemeClr val="bg1">
+                    <a:lumMod val="65000"/>
+                  </a:schemeClr>
+                </a:solidFill>
+              </a:rPr>
               <a:t>")</a:t>
             </a:r>
           </a:p>
